--- a/Power BI Embedded - April 2018 - Summit in Dublin .pptx
+++ b/Power BI Embedded - April 2018 - Summit in Dublin .pptx
@@ -5,10 +5,10 @@
     <p:sldMasterId id="2147483648" r:id="rId5"/>
   </p:sldMasterIdLst>
   <p:notesMasterIdLst>
-    <p:notesMasterId r:id="rId61"/>
+    <p:notesMasterId r:id="rId62"/>
   </p:notesMasterIdLst>
   <p:handoutMasterIdLst>
-    <p:handoutMasterId r:id="rId62"/>
+    <p:handoutMasterId r:id="rId63"/>
   </p:handoutMasterIdLst>
   <p:sldIdLst>
     <p:sldId id="654" r:id="rId6"/>
@@ -63,9 +63,10 @@
     <p:sldId id="589" r:id="rId55"/>
     <p:sldId id="637" r:id="rId56"/>
     <p:sldId id="638" r:id="rId57"/>
-    <p:sldId id="635" r:id="rId58"/>
-    <p:sldId id="606" r:id="rId59"/>
-    <p:sldId id="574" r:id="rId60"/>
+    <p:sldId id="655" r:id="rId58"/>
+    <p:sldId id="635" r:id="rId59"/>
+    <p:sldId id="606" r:id="rId60"/>
+    <p:sldId id="574" r:id="rId61"/>
   </p:sldIdLst>
   <p:sldSz cx="9144000" cy="6858000" type="screen4x3"/>
   <p:notesSz cx="7315200" cy="9601200"/>
@@ -303,6 +304,34 @@
   <p:clrMap bg1="lt1" tx1="dk1" bg2="lt2" tx2="dk2" accent1="accent1" accent2="accent2" accent3="accent3" accent4="accent4" accent5="accent5" accent6="accent6" hlink="hlink" folHlink="folHlink"/>
   <p:hf/>
 </p:handoutMaster>
+</file>
+
+<file path=ppt/ink/ink1.xml><?xml version="1.0" encoding="utf-8"?>
+<inkml:ink xmlns:inkml="http://www.w3.org/2003/InkML">
+  <inkml:definitions>
+    <inkml:context xml:id="ctx0">
+      <inkml:inkSource xml:id="inkSrc0">
+        <inkml:traceFormat>
+          <inkml:channel name="X" type="integer" max="1536" units="cm"/>
+          <inkml:channel name="Y" type="integer" max="864" units="cm"/>
+          <inkml:channel name="T" type="integer" max="2.14748E9" units="dev"/>
+        </inkml:traceFormat>
+        <inkml:channelProperties>
+          <inkml:channelProperty channel="X" name="resolution" value="44.65116" units="1/cm"/>
+          <inkml:channelProperty channel="Y" name="resolution" value="44.53608" units="1/cm"/>
+          <inkml:channelProperty channel="T" name="resolution" value="1" units="1/dev"/>
+        </inkml:channelProperties>
+      </inkml:inkSource>
+      <inkml:timestamp xml:id="ts0" timeString="2018-04-24T14:32:18.347"/>
+    </inkml:context>
+    <inkml:brush xml:id="br0">
+      <inkml:brushProperty name="width" value="0.05292" units="cm"/>
+      <inkml:brushProperty name="height" value="0.05292" units="cm"/>
+      <inkml:brushProperty name="color" value="#FF0000"/>
+    </inkml:brush>
+  </inkml:definitions>
+  <inkml:trace contextRef="#ctx0" brushRef="#br0">16316 4251 0</inkml:trace>
+</inkml:ink>
 </file>
 
 <file path=ppt/notesMasters/notesMaster1.xml><?xml version="1.0" encoding="utf-8"?>
@@ -2035,6 +2064,8 @@
     </p:tnLst>
     <p:bldLst>
       <p:bldP spid="10" grpId="0" animBg="1"/>
+      <p:bldP spid="10" grpId="1" animBg="1"/>
+      <p:bldP spid="10" grpId="2" animBg="1"/>
       <p:bldP spid="11" grpId="0"/>
     </p:bldLst>
   </p:timing>
@@ -3597,6 +3628,51 @@
                       </p:childTnLst>
                     </p:cTn>
                   </p:par>
+                  <p:par>
+                    <p:cTn id="19" fill="hold">
+                      <p:stCondLst>
+                        <p:cond delay="indefinite"/>
+                      </p:stCondLst>
+                      <p:childTnLst>
+                        <p:par>
+                          <p:cTn id="20" fill="hold">
+                            <p:stCondLst>
+                              <p:cond delay="0"/>
+                            </p:stCondLst>
+                            <p:childTnLst>
+                              <p:par>
+                                <p:cTn id="21" presetID="1" presetClass="entr" presetSubtype="0" fill="hold" nodeType="clickEffect">
+                                  <p:stCondLst>
+                                    <p:cond delay="0"/>
+                                  </p:stCondLst>
+                                  <p:childTnLst>
+                                    <p:set>
+                                      <p:cBhvr>
+                                        <p:cTn id="22" dur="1" fill="hold">
+                                          <p:stCondLst>
+                                            <p:cond delay="0"/>
+                                          </p:stCondLst>
+                                        </p:cTn>
+                                        <p:tgtEl>
+                                          <p:spTgt spid="9"/>
+                                        </p:tgtEl>
+                                        <p:attrNameLst>
+                                          <p:attrName>style.visibility</p:attrName>
+                                        </p:attrNameLst>
+                                      </p:cBhvr>
+                                      <p:to>
+                                        <p:strVal val="visible"/>
+                                      </p:to>
+                                    </p:set>
+                                  </p:childTnLst>
+                                </p:cTn>
+                              </p:par>
+                            </p:childTnLst>
+                          </p:cTn>
+                        </p:par>
+                      </p:childTnLst>
+                    </p:cTn>
+                  </p:par>
                 </p:childTnLst>
               </p:cTn>
               <p:prevCondLst>
@@ -3760,6 +3836,258 @@
   <p:clrMapOvr>
     <a:masterClrMapping/>
   </p:clrMapOvr>
+  <p:timing>
+    <p:tnLst>
+      <p:par>
+        <p:cTn id="1" dur="indefinite" restart="never" nodeType="tmRoot">
+          <p:childTnLst>
+            <p:seq concurrent="1" nextAc="seek">
+              <p:cTn id="2" dur="indefinite" nodeType="mainSeq">
+                <p:childTnLst>
+                  <p:par>
+                    <p:cTn id="3" fill="hold">
+                      <p:stCondLst>
+                        <p:cond delay="indefinite"/>
+                      </p:stCondLst>
+                      <p:childTnLst>
+                        <p:par>
+                          <p:cTn id="4" fill="hold">
+                            <p:stCondLst>
+                              <p:cond delay="0"/>
+                            </p:stCondLst>
+                            <p:childTnLst>
+                              <p:par>
+                                <p:cTn id="5" presetID="1" presetClass="entr" presetSubtype="0" fill="hold" nodeType="clickEffect">
+                                  <p:stCondLst>
+                                    <p:cond delay="0"/>
+                                  </p:stCondLst>
+                                  <p:childTnLst>
+                                    <p:set>
+                                      <p:cBhvr>
+                                        <p:cTn id="6" dur="1" fill="hold">
+                                          <p:stCondLst>
+                                            <p:cond delay="0"/>
+                                          </p:stCondLst>
+                                        </p:cTn>
+                                        <p:tgtEl>
+                                          <p:spTgt spid="3">
+                                            <p:txEl>
+                                              <p:pRg st="3" end="3"/>
+                                            </p:txEl>
+                                          </p:spTgt>
+                                        </p:tgtEl>
+                                        <p:attrNameLst>
+                                          <p:attrName>style.visibility</p:attrName>
+                                        </p:attrNameLst>
+                                      </p:cBhvr>
+                                      <p:to>
+                                        <p:strVal val="visible"/>
+                                      </p:to>
+                                    </p:set>
+                                  </p:childTnLst>
+                                </p:cTn>
+                              </p:par>
+                              <p:par>
+                                <p:cTn id="7" presetID="1" presetClass="entr" presetSubtype="0" fill="hold" nodeType="withEffect">
+                                  <p:stCondLst>
+                                    <p:cond delay="0"/>
+                                  </p:stCondLst>
+                                  <p:childTnLst>
+                                    <p:set>
+                                      <p:cBhvr>
+                                        <p:cTn id="8" dur="1" fill="hold">
+                                          <p:stCondLst>
+                                            <p:cond delay="0"/>
+                                          </p:stCondLst>
+                                        </p:cTn>
+                                        <p:tgtEl>
+                                          <p:spTgt spid="3">
+                                            <p:txEl>
+                                              <p:pRg st="4" end="4"/>
+                                            </p:txEl>
+                                          </p:spTgt>
+                                        </p:tgtEl>
+                                        <p:attrNameLst>
+                                          <p:attrName>style.visibility</p:attrName>
+                                        </p:attrNameLst>
+                                      </p:cBhvr>
+                                      <p:to>
+                                        <p:strVal val="visible"/>
+                                      </p:to>
+                                    </p:set>
+                                  </p:childTnLst>
+                                </p:cTn>
+                              </p:par>
+                              <p:par>
+                                <p:cTn id="9" presetID="1" presetClass="entr" presetSubtype="0" fill="hold" nodeType="withEffect">
+                                  <p:stCondLst>
+                                    <p:cond delay="0"/>
+                                  </p:stCondLst>
+                                  <p:childTnLst>
+                                    <p:set>
+                                      <p:cBhvr>
+                                        <p:cTn id="10" dur="1" fill="hold">
+                                          <p:stCondLst>
+                                            <p:cond delay="0"/>
+                                          </p:stCondLst>
+                                        </p:cTn>
+                                        <p:tgtEl>
+                                          <p:spTgt spid="3">
+                                            <p:txEl>
+                                              <p:pRg st="5" end="5"/>
+                                            </p:txEl>
+                                          </p:spTgt>
+                                        </p:tgtEl>
+                                        <p:attrNameLst>
+                                          <p:attrName>style.visibility</p:attrName>
+                                        </p:attrNameLst>
+                                      </p:cBhvr>
+                                      <p:to>
+                                        <p:strVal val="visible"/>
+                                      </p:to>
+                                    </p:set>
+                                  </p:childTnLst>
+                                </p:cTn>
+                              </p:par>
+                            </p:childTnLst>
+                          </p:cTn>
+                        </p:par>
+                      </p:childTnLst>
+                    </p:cTn>
+                  </p:par>
+                  <p:par>
+                    <p:cTn id="11" fill="hold">
+                      <p:stCondLst>
+                        <p:cond delay="indefinite"/>
+                      </p:stCondLst>
+                      <p:childTnLst>
+                        <p:par>
+                          <p:cTn id="12" fill="hold">
+                            <p:stCondLst>
+                              <p:cond delay="0"/>
+                            </p:stCondLst>
+                            <p:childTnLst>
+                              <p:par>
+                                <p:cTn id="13" presetID="1" presetClass="entr" presetSubtype="0" fill="hold" nodeType="clickEffect">
+                                  <p:stCondLst>
+                                    <p:cond delay="0"/>
+                                  </p:stCondLst>
+                                  <p:childTnLst>
+                                    <p:set>
+                                      <p:cBhvr>
+                                        <p:cTn id="14" dur="1" fill="hold">
+                                          <p:stCondLst>
+                                            <p:cond delay="0"/>
+                                          </p:stCondLst>
+                                        </p:cTn>
+                                        <p:tgtEl>
+                                          <p:spTgt spid="3">
+                                            <p:txEl>
+                                              <p:pRg st="6" end="6"/>
+                                            </p:txEl>
+                                          </p:spTgt>
+                                        </p:tgtEl>
+                                        <p:attrNameLst>
+                                          <p:attrName>style.visibility</p:attrName>
+                                        </p:attrNameLst>
+                                      </p:cBhvr>
+                                      <p:to>
+                                        <p:strVal val="visible"/>
+                                      </p:to>
+                                    </p:set>
+                                  </p:childTnLst>
+                                </p:cTn>
+                              </p:par>
+                              <p:par>
+                                <p:cTn id="15" presetID="1" presetClass="entr" presetSubtype="0" fill="hold" nodeType="withEffect">
+                                  <p:stCondLst>
+                                    <p:cond delay="0"/>
+                                  </p:stCondLst>
+                                  <p:childTnLst>
+                                    <p:set>
+                                      <p:cBhvr>
+                                        <p:cTn id="16" dur="1" fill="hold">
+                                          <p:stCondLst>
+                                            <p:cond delay="0"/>
+                                          </p:stCondLst>
+                                        </p:cTn>
+                                        <p:tgtEl>
+                                          <p:spTgt spid="3">
+                                            <p:txEl>
+                                              <p:pRg st="7" end="7"/>
+                                            </p:txEl>
+                                          </p:spTgt>
+                                        </p:tgtEl>
+                                        <p:attrNameLst>
+                                          <p:attrName>style.visibility</p:attrName>
+                                        </p:attrNameLst>
+                                      </p:cBhvr>
+                                      <p:to>
+                                        <p:strVal val="visible"/>
+                                      </p:to>
+                                    </p:set>
+                                  </p:childTnLst>
+                                </p:cTn>
+                              </p:par>
+                              <p:par>
+                                <p:cTn id="17" presetID="1" presetClass="entr" presetSubtype="0" fill="hold" nodeType="withEffect">
+                                  <p:stCondLst>
+                                    <p:cond delay="0"/>
+                                  </p:stCondLst>
+                                  <p:childTnLst>
+                                    <p:set>
+                                      <p:cBhvr>
+                                        <p:cTn id="18" dur="1" fill="hold">
+                                          <p:stCondLst>
+                                            <p:cond delay="0"/>
+                                          </p:stCondLst>
+                                        </p:cTn>
+                                        <p:tgtEl>
+                                          <p:spTgt spid="3">
+                                            <p:txEl>
+                                              <p:pRg st="8" end="8"/>
+                                            </p:txEl>
+                                          </p:spTgt>
+                                        </p:tgtEl>
+                                        <p:attrNameLst>
+                                          <p:attrName>style.visibility</p:attrName>
+                                        </p:attrNameLst>
+                                      </p:cBhvr>
+                                      <p:to>
+                                        <p:strVal val="visible"/>
+                                      </p:to>
+                                    </p:set>
+                                  </p:childTnLst>
+                                </p:cTn>
+                              </p:par>
+                            </p:childTnLst>
+                          </p:cTn>
+                        </p:par>
+                      </p:childTnLst>
+                    </p:cTn>
+                  </p:par>
+                </p:childTnLst>
+              </p:cTn>
+              <p:prevCondLst>
+                <p:cond evt="onPrev" delay="0">
+                  <p:tgtEl>
+                    <p:sldTgt/>
+                  </p:tgtEl>
+                </p:cond>
+              </p:prevCondLst>
+              <p:nextCondLst>
+                <p:cond evt="onNext" delay="0">
+                  <p:tgtEl>
+                    <p:sldTgt/>
+                  </p:tgtEl>
+                </p:cond>
+              </p:nextCondLst>
+            </p:seq>
+          </p:childTnLst>
+        </p:cTn>
+      </p:par>
+    </p:tnLst>
+  </p:timing>
 </p:sld>
 </file>
 
@@ -4932,7 +5260,7 @@
           <p:nvPr>
             <p:extLst>
               <p:ext uri="{D42A27DB-BD31-4B8C-83A1-F6EECF244321}">
-                <p14:modId xmlns:p14="http://schemas.microsoft.com/office/powerpoint/2010/main" val="1365498970"/>
+                <p14:modId xmlns:p14="http://schemas.microsoft.com/office/powerpoint/2010/main" val="3194823437"/>
               </p:ext>
             </p:extLst>
           </p:nvPr>
@@ -5366,7 +5694,7 @@
                     <a:p>
                       <a:r>
                         <a:rPr lang="en-US" sz="1200" dirty="0"/>
-                        <a:t>Monthly/Yearly</a:t>
+                        <a:t>Monthly</a:t>
                       </a:r>
                     </a:p>
                   </a:txBody>
@@ -5379,7 +5707,7 @@
                     <a:p>
                       <a:r>
                         <a:rPr lang="en-US" sz="1200" dirty="0"/>
-                        <a:t>Yearly</a:t>
+                        <a:t>Monthly/Yearly</a:t>
                       </a:r>
                     </a:p>
                   </a:txBody>
@@ -16406,6 +16734,44 @@
           </a:fontRef>
         </p:style>
       </p:cxnSp>
+      <mc:AlternateContent xmlns:mc="http://schemas.openxmlformats.org/markup-compatibility/2006">
+        <mc:Choice xmlns:p14="http://schemas.microsoft.com/office/powerpoint/2010/main" Requires="p14">
+          <p:contentPart p14:bwMode="auto" r:id="rId4">
+            <p14:nvContentPartPr>
+              <p14:cNvPr id="3" name="Ink 2">
+                <a:extLst>
+                  <a:ext uri="{FF2B5EF4-FFF2-40B4-BE49-F238E27FC236}">
+                    <a16:creationId xmlns:a16="http://schemas.microsoft.com/office/drawing/2014/main" id="{4A03E940-C607-4FE4-B8B5-7A306EEF4A0E}"/>
+                  </a:ext>
+                </a:extLst>
+              </p14:cNvPr>
+              <p14:cNvContentPartPr/>
+              <p14:nvPr/>
+            </p14:nvContentPartPr>
+            <p14:xfrm>
+              <a:off x="5873760" y="1530360"/>
+              <a:ext cx="360" cy="360"/>
+            </p14:xfrm>
+          </p:contentPart>
+        </mc:Choice>
+        <mc:Fallback>
+          <p:pic>
+            <p:nvPicPr>
+              <p:cNvPr id="3" name="Ink 2">
+                <a:extLst>
+                  <a:ext uri="{FF2B5EF4-FFF2-40B4-BE49-F238E27FC236}">
+                    <a16:creationId xmlns:a16="http://schemas.microsoft.com/office/drawing/2014/main" id="{4A03E940-C607-4FE4-B8B5-7A306EEF4A0E}"/>
+                  </a:ext>
+                </a:extLst>
+              </p:cNvPr>
+              <p:cNvPicPr/>
+              <p:nvPr/>
+            </p:nvPicPr>
+            <p:blipFill/>
+            <p:spPr/>
+          </p:pic>
+        </mc:Fallback>
+      </mc:AlternateContent>
     </p:spTree>
     <p:extLst>
       <p:ext uri="{BB962C8B-B14F-4D97-AF65-F5344CB8AC3E}">
@@ -17489,21 +17855,96 @@
           <a:lstStyle/>
           <a:p>
             <a:r>
-              <a:rPr lang="en-US" sz="2400" dirty="0"/>
-              <a:t>The Power BI Embedded </a:t>
-            </a:r>
-            <a:r>
-              <a:rPr lang="en-US" sz="2400"/>
-              <a:t>Scratchpad App</a:t>
-            </a:r>
-            <a:endParaRPr lang="en-US" sz="2400" dirty="0"/>
+              <a:rPr lang="en-US" dirty="0" err="1"/>
+              <a:t>PowerBiEmbeddedScratchpad</a:t>
+            </a:r>
+            <a:r>
+              <a:rPr lang="en-US" dirty="0"/>
+              <a:t> Sample</a:t>
+            </a:r>
           </a:p>
         </p:txBody>
       </p:sp>
+      <p:sp>
+        <p:nvSpPr>
+          <p:cNvPr id="3" name="Content Placeholder 2"/>
+          <p:cNvSpPr>
+            <a:spLocks noGrp="1"/>
+          </p:cNvSpPr>
+          <p:nvPr>
+            <p:ph idx="1"/>
+          </p:nvPr>
+        </p:nvSpPr>
+        <p:spPr>
+          <a:xfrm>
+            <a:off x="457200" y="1371600"/>
+            <a:ext cx="8382000" cy="5181600"/>
+          </a:xfrm>
+        </p:spPr>
+        <p:txBody>
+          <a:bodyPr>
+            <a:normAutofit/>
+          </a:bodyPr>
+          <a:lstStyle/>
+          <a:p>
+            <a:pPr marL="0" indent="0">
+              <a:buNone/>
+            </a:pPr>
+            <a:r>
+              <a:rPr lang="en-US" sz="1800" b="1" dirty="0">
+                <a:hlinkClick r:id="rId2"/>
+              </a:rPr>
+              <a:t>https://github.com/CriticalPathTraining/PowerBiEmbeddedScratchpad</a:t>
+            </a:r>
+            <a:r>
+              <a:rPr lang="en-US" sz="1800" b="1" dirty="0"/>
+              <a:t> </a:t>
+            </a:r>
+          </a:p>
+        </p:txBody>
+      </p:sp>
+      <p:pic>
+        <p:nvPicPr>
+          <p:cNvPr id="5" name="Picture 4">
+            <a:extLst>
+              <a:ext uri="{FF2B5EF4-FFF2-40B4-BE49-F238E27FC236}">
+                <a16:creationId xmlns:a16="http://schemas.microsoft.com/office/drawing/2014/main" id="{CE619EAA-E2CC-498E-AE88-B839E6D90E3F}"/>
+              </a:ext>
+            </a:extLst>
+          </p:cNvPr>
+          <p:cNvPicPr>
+            <a:picLocks noChangeAspect="1"/>
+          </p:cNvPicPr>
+          <p:nvPr/>
+        </p:nvPicPr>
+        <p:blipFill>
+          <a:blip r:embed="rId3"/>
+          <a:stretch>
+            <a:fillRect/>
+          </a:stretch>
+        </p:blipFill>
+        <p:spPr>
+          <a:xfrm>
+            <a:off x="662725" y="1981200"/>
+            <a:ext cx="7970949" cy="4212234"/>
+          </a:xfrm>
+          <a:prstGeom prst="rect">
+            <a:avLst/>
+          </a:prstGeom>
+          <a:ln>
+            <a:solidFill>
+              <a:schemeClr val="tx1">
+                <a:lumMod val="50000"/>
+                <a:lumOff val="50000"/>
+              </a:schemeClr>
+            </a:solidFill>
+          </a:ln>
+        </p:spPr>
+      </p:pic>
     </p:spTree>
     <p:extLst>
       <p:ext uri="{BB962C8B-B14F-4D97-AF65-F5344CB8AC3E}">
-        <p14:creationId xmlns:p14="http://schemas.microsoft.com/office/powerpoint/2010/main" val="1644673021"/>
+        <p14:creationId xmlns:p14="http://schemas.microsoft.com/office/powerpoint/2010/main" val="276816534"/>
       </p:ext>
     </p:extLst>
   </p:cSld>
@@ -17546,6 +17987,63 @@
           <a:lstStyle/>
           <a:p>
             <a:r>
+              <a:rPr lang="en-US" sz="2400" dirty="0"/>
+              <a:t>The Power BI Embedded </a:t>
+            </a:r>
+            <a:r>
+              <a:rPr lang="en-US" sz="2400"/>
+              <a:t>Scratchpad App</a:t>
+            </a:r>
+            <a:endParaRPr lang="en-US" sz="2400" dirty="0"/>
+          </a:p>
+        </p:txBody>
+      </p:sp>
+    </p:spTree>
+    <p:extLst>
+      <p:ext uri="{BB962C8B-B14F-4D97-AF65-F5344CB8AC3E}">
+        <p14:creationId xmlns:p14="http://schemas.microsoft.com/office/powerpoint/2010/main" val="1644673021"/>
+      </p:ext>
+    </p:extLst>
+  </p:cSld>
+  <p:clrMapOvr>
+    <a:masterClrMapping/>
+  </p:clrMapOvr>
+</p:sld>
+</file>
+
+<file path=ppt/slides/slide55.xml><?xml version="1.0" encoding="utf-8"?>
+<p:sld xmlns:a="http://schemas.openxmlformats.org/drawingml/2006/main" xmlns:r="http://schemas.openxmlformats.org/officeDocument/2006/relationships" xmlns:p="http://schemas.openxmlformats.org/presentationml/2006/main">
+  <p:cSld>
+    <p:spTree>
+      <p:nvGrpSpPr>
+        <p:cNvPr id="1" name=""/>
+        <p:cNvGrpSpPr/>
+        <p:nvPr/>
+      </p:nvGrpSpPr>
+      <p:grpSpPr>
+        <a:xfrm>
+          <a:off x="0" y="0"/>
+          <a:ext cx="0" cy="0"/>
+          <a:chOff x="0" y="0"/>
+          <a:chExt cx="0" cy="0"/>
+        </a:xfrm>
+      </p:grpSpPr>
+      <p:sp>
+        <p:nvSpPr>
+          <p:cNvPr id="2" name="Title 1"/>
+          <p:cNvSpPr>
+            <a:spLocks noGrp="1"/>
+          </p:cNvSpPr>
+          <p:nvPr>
+            <p:ph type="title"/>
+          </p:nvPr>
+        </p:nvSpPr>
+        <p:spPr/>
+        <p:txBody>
+          <a:bodyPr/>
+          <a:lstStyle/>
+          <a:p>
+            <a:r>
               <a:rPr lang="en-US" dirty="0"/>
               <a:t>Summary</a:t>
             </a:r>
@@ -17641,7 +18139,7 @@
 </p:sld>
 </file>
 
-<file path=ppt/slides/slide55.xml><?xml version="1.0" encoding="utf-8"?>
+<file path=ppt/slides/slide56.xml><?xml version="1.0" encoding="utf-8"?>
 <p:sld xmlns:a="http://schemas.openxmlformats.org/drawingml/2006/main" xmlns:r="http://schemas.openxmlformats.org/officeDocument/2006/relationships" xmlns:p="http://schemas.openxmlformats.org/presentationml/2006/main">
   <p:cSld>
     <p:spTree>
@@ -23072,21 +23570,6 @@
 </file>
 
 <file path=customXml/item1.xml><?xml version="1.0" encoding="utf-8"?>
-<?mso-contentType ?>
-<FormTemplates xmlns="http://schemas.microsoft.com/sharepoint/v3/contenttype/forms">
-  <Display>DocumentLibraryForm</Display>
-  <Edit>DocumentLibraryForm</Edit>
-  <New>DocumentLibraryForm</New>
-</FormTemplates>
-</file>
-
-<file path=customXml/item2.xml><?xml version="1.0" encoding="utf-8"?>
-<p:properties xmlns:p="http://schemas.microsoft.com/office/2006/metadata/properties" xmlns:xsi="http://www.w3.org/2001/XMLSchema-instance">
-  <documentManagement/>
-</p:properties>
-</file>
-
-<file path=customXml/item3.xml><?xml version="1.0" encoding="utf-8"?>
 <outs:outSpaceData xmlns:outs="http://schemas.microsoft.com/office/2009/outspace/metadata">
   <outs:relatedDates>
     <outs:relatedDate>
@@ -23236,6 +23719,21 @@
 </outs:outSpaceData>
 </file>
 
+<file path=customXml/item2.xml><?xml version="1.0" encoding="utf-8"?>
+<?mso-contentType ?>
+<FormTemplates xmlns="http://schemas.microsoft.com/sharepoint/v3/contenttype/forms">
+  <Display>DocumentLibraryForm</Display>
+  <Edit>DocumentLibraryForm</Edit>
+  <New>DocumentLibraryForm</New>
+</FormTemplates>
+</file>
+
+<file path=customXml/item3.xml><?xml version="1.0" encoding="utf-8"?>
+<p:properties xmlns:p="http://schemas.microsoft.com/office/2006/metadata/properties" xmlns:xsi="http://www.w3.org/2001/XMLSchema-instance">
+  <documentManagement/>
+</p:properties>
+</file>
+
 <file path=customXml/item4.xml><?xml version="1.0" encoding="utf-8"?>
 <ct:contentTypeSchema xmlns:ct="http://schemas.microsoft.com/office/2006/metadata/contentType" xmlns:ma="http://schemas.microsoft.com/office/2006/metadata/properties/metaAttributes" ct:_="" ma:_="" ma:contentTypeName="Document" ma:contentTypeID="0x01010043F7775CCE86F349BB7C51FB3CE6B150" ma:contentTypeVersion="0" ma:contentTypeDescription="Create a new document." ma:contentTypeScope="" ma:versionID="bb563817a2861b6b5994bd26a2ba9e40">
   <xsd:schema xmlns:xsd="http://www.w3.org/2001/XMLSchema" xmlns:xs="http://www.w3.org/2001/XMLSchema" xmlns:p="http://schemas.microsoft.com/office/2006/metadata/properties" targetNamespace="http://schemas.microsoft.com/office/2006/metadata/properties" ma:root="true" ma:fieldsID="c64490b4aec6201516c3a874156f37b2">
@@ -23351,6 +23849,14 @@
 </file>
 
 <file path=customXml/itemProps1.xml><?xml version="1.0" encoding="utf-8"?>
+<ds:datastoreItem xmlns:ds="http://schemas.openxmlformats.org/officeDocument/2006/customXml" ds:itemID="{8865FC99-B6BD-4E98-8312-F4F432C217EA}">
+  <ds:schemaRefs>
+    <ds:schemaRef ds:uri="http://schemas.microsoft.com/office/2009/outspace/metadata"/>
+  </ds:schemaRefs>
+</ds:datastoreItem>
+</file>
+
+<file path=customXml/itemProps2.xml><?xml version="1.0" encoding="utf-8"?>
 <ds:datastoreItem xmlns:ds="http://schemas.openxmlformats.org/officeDocument/2006/customXml" ds:itemID="{6034B84F-8F8E-48B7-9EFF-C7DE1A66BD73}">
   <ds:schemaRefs>
     <ds:schemaRef ds:uri="http://schemas.microsoft.com/sharepoint/v3/contenttype/forms"/>
@@ -23358,25 +23864,17 @@
 </ds:datastoreItem>
 </file>
 
-<file path=customXml/itemProps2.xml><?xml version="1.0" encoding="utf-8"?>
+<file path=customXml/itemProps3.xml><?xml version="1.0" encoding="utf-8"?>
 <ds:datastoreItem xmlns:ds="http://schemas.openxmlformats.org/officeDocument/2006/customXml" ds:itemID="{A5547237-B119-45CA-BEFC-A2DA2BDB03E7}">
   <ds:schemaRefs>
+    <ds:schemaRef ds:uri="http://schemas.openxmlformats.org/package/2006/metadata/core-properties"/>
+    <ds:schemaRef ds:uri="http://purl.org/dc/dcmitype/"/>
+    <ds:schemaRef ds:uri="http://schemas.microsoft.com/office/2006/documentManagement/types"/>
     <ds:schemaRef ds:uri="http://purl.org/dc/elements/1.1/"/>
-    <ds:schemaRef ds:uri="http://schemas.microsoft.com/office/2006/documentManagement/types"/>
+    <ds:schemaRef ds:uri="http://www.w3.org/XML/1998/namespace"/>
     <ds:schemaRef ds:uri="http://purl.org/dc/terms/"/>
     <ds:schemaRef ds:uri="http://schemas.microsoft.com/office/2006/metadata/properties"/>
-    <ds:schemaRef ds:uri="http://schemas.openxmlformats.org/package/2006/metadata/core-properties"/>
-    <ds:schemaRef ds:uri="http://purl.org/dc/dcmitype/"/>
     <ds:schemaRef ds:uri="http://schemas.microsoft.com/office/infopath/2007/PartnerControls"/>
-    <ds:schemaRef ds:uri="http://www.w3.org/XML/1998/namespace"/>
-  </ds:schemaRefs>
-</ds:datastoreItem>
-</file>
-
-<file path=customXml/itemProps3.xml><?xml version="1.0" encoding="utf-8"?>
-<ds:datastoreItem xmlns:ds="http://schemas.openxmlformats.org/officeDocument/2006/customXml" ds:itemID="{8865FC99-B6BD-4E98-8312-F4F432C217EA}">
-  <ds:schemaRefs>
-    <ds:schemaRef ds:uri="http://schemas.microsoft.com/office/2009/outspace/metadata"/>
   </ds:schemaRefs>
 </ds:datastoreItem>
 </file>
